--- a/slides/swagger.pptx
+++ b/slides/swagger.pptx
@@ -2979,7 +2979,7 @@
               </a:spcAft>
               <a:buNone/>
             </a:pPr>
-            <a:endParaRPr/>
+            <a:endParaRPr dirty="0"/>
           </a:p>
         </p:txBody>
       </p:sp>
@@ -16434,6 +16434,63 @@
           </a:prstGeom>
         </p:spPr>
       </p:pic>
+      <p:sp>
+        <p:nvSpPr>
+          <p:cNvPr id="3" name="CaixaDeTexto 2">
+            <a:extLst>
+              <a:ext uri="{FF2B5EF4-FFF2-40B4-BE49-F238E27FC236}">
+                <a16:creationId xmlns:a16="http://schemas.microsoft.com/office/drawing/2014/main" id="{DA11FC5A-CFC2-4A0F-A041-6B5CB7360CB8}"/>
+              </a:ext>
+            </a:extLst>
+          </p:cNvPr>
+          <p:cNvSpPr txBox="1"/>
+          <p:nvPr/>
+        </p:nvSpPr>
+        <p:spPr>
+          <a:xfrm>
+            <a:off x="6534462" y="6392903"/>
+            <a:ext cx="2356320" cy="307777"/>
+          </a:xfrm>
+          <a:prstGeom prst="rect">
+            <a:avLst/>
+          </a:prstGeom>
+          <a:noFill/>
+        </p:spPr>
+        <p:txBody>
+          <a:bodyPr wrap="square" rtlCol="0">
+            <a:spAutoFit/>
+          </a:bodyPr>
+          <a:lstStyle/>
+          <a:p>
+            <a:pPr algn="just"/>
+            <a:r>
+              <a:rPr lang="pt-BR" dirty="0">
+                <a:solidFill>
+                  <a:schemeClr val="tx1">
+                    <a:lumMod val="85000"/>
+                    <a:lumOff val="15000"/>
+                  </a:schemeClr>
+                </a:solidFill>
+                <a:latin typeface="Verdana" panose="020B0604030504040204" pitchFamily="34" charset="0"/>
+                <a:ea typeface="Verdana" panose="020B0604030504040204" pitchFamily="34" charset="0"/>
+                <a:cs typeface="Calibri" panose="020F0502020204030204" pitchFamily="34" charset="0"/>
+              </a:rPr>
+              <a:t>Prof. Marcelo Bernardes</a:t>
+            </a:r>
+            <a:endParaRPr lang="pt-BR" b="1" dirty="0">
+              <a:solidFill>
+                <a:schemeClr val="tx1">
+                  <a:lumMod val="85000"/>
+                  <a:lumOff val="15000"/>
+                </a:schemeClr>
+              </a:solidFill>
+              <a:latin typeface="Verdana" panose="020B0604030504040204" pitchFamily="34" charset="0"/>
+              <a:ea typeface="Verdana" panose="020B0604030504040204" pitchFamily="34" charset="0"/>
+              <a:cs typeface="Calibri" panose="020F0502020204030204" pitchFamily="34" charset="0"/>
+            </a:endParaRPr>
+          </a:p>
+        </p:txBody>
+      </p:sp>
     </p:spTree>
     <p:extLst>
       <p:ext uri="{BB962C8B-B14F-4D97-AF65-F5344CB8AC3E}">
@@ -16513,92 +16570,6 @@
           </a:p>
         </p:txBody>
       </p:sp>
-      <p:pic>
-        <p:nvPicPr>
-          <p:cNvPr id="5" name="Imagem 4">
-            <a:extLst>
-              <a:ext uri="{FF2B5EF4-FFF2-40B4-BE49-F238E27FC236}">
-                <a16:creationId xmlns:a16="http://schemas.microsoft.com/office/drawing/2014/main" id="{93B3701F-9B83-4075-AC32-05FD5AEF67B9}"/>
-              </a:ext>
-            </a:extLst>
-          </p:cNvPr>
-          <p:cNvPicPr>
-            <a:picLocks noChangeAspect="1"/>
-          </p:cNvPicPr>
-          <p:nvPr/>
-        </p:nvPicPr>
-        <p:blipFill>
-          <a:blip r:embed="rId3"/>
-          <a:stretch>
-            <a:fillRect/>
-          </a:stretch>
-        </p:blipFill>
-        <p:spPr>
-          <a:xfrm>
-            <a:off x="6071767" y="5555492"/>
-            <a:ext cx="1102535" cy="1102535"/>
-          </a:xfrm>
-          <a:prstGeom prst="rect">
-            <a:avLst/>
-          </a:prstGeom>
-        </p:spPr>
-      </p:pic>
-      <p:sp>
-        <p:nvSpPr>
-          <p:cNvPr id="9" name="Google Shape;196;p29">
-            <a:extLst>
-              <a:ext uri="{FF2B5EF4-FFF2-40B4-BE49-F238E27FC236}">
-                <a16:creationId xmlns:a16="http://schemas.microsoft.com/office/drawing/2014/main" id="{5CD6D135-BA4F-4773-B553-F39EEAE1A0F5}"/>
-              </a:ext>
-            </a:extLst>
-          </p:cNvPr>
-          <p:cNvSpPr txBox="1"/>
-          <p:nvPr/>
-        </p:nvSpPr>
-        <p:spPr>
-          <a:xfrm>
-            <a:off x="7174302" y="5838093"/>
-            <a:ext cx="1761048" cy="537332"/>
-          </a:xfrm>
-          <a:prstGeom prst="rect">
-            <a:avLst/>
-          </a:prstGeom>
-          <a:noFill/>
-          <a:ln>
-            <a:noFill/>
-          </a:ln>
-        </p:spPr>
-        <p:txBody>
-          <a:bodyPr spcFirstLastPara="1" wrap="square" lIns="91425" tIns="91425" rIns="91425" bIns="91425" anchor="t" anchorCtr="0">
-            <a:noAutofit/>
-          </a:bodyPr>
-          <a:lstStyle/>
-          <a:p>
-            <a:pPr lvl="0" algn="just"/>
-            <a:r>
-              <a:rPr lang="pt-BR" sz="2500" b="1" dirty="0">
-                <a:solidFill>
-                  <a:srgbClr val="6D9A00"/>
-                </a:solidFill>
-                <a:latin typeface="Verdana"/>
-                <a:ea typeface="Verdana"/>
-                <a:cs typeface="Verdana"/>
-                <a:sym typeface="Verdana"/>
-              </a:rPr>
-              <a:t>Swagger</a:t>
-            </a:r>
-            <a:endParaRPr sz="2500" b="1" dirty="0">
-              <a:solidFill>
-                <a:srgbClr val="6D9A00"/>
-              </a:solidFill>
-              <a:latin typeface="Verdana"/>
-              <a:ea typeface="Verdana"/>
-              <a:cs typeface="Verdana"/>
-              <a:sym typeface="Verdana"/>
-            </a:endParaRPr>
-          </a:p>
-        </p:txBody>
-      </p:sp>
       <p:sp>
         <p:nvSpPr>
           <p:cNvPr id="6" name="Google Shape;196;p29">
@@ -16692,6 +16663,149 @@
               </a:rPr>
               <a:t>http://localhost:8082/sgh/swagger-ui.html</a:t>
             </a:r>
+          </a:p>
+        </p:txBody>
+      </p:sp>
+      <p:pic>
+        <p:nvPicPr>
+          <p:cNvPr id="8" name="Imagem 7">
+            <a:extLst>
+              <a:ext uri="{FF2B5EF4-FFF2-40B4-BE49-F238E27FC236}">
+                <a16:creationId xmlns:a16="http://schemas.microsoft.com/office/drawing/2014/main" id="{92026EDF-37C7-4266-B35A-4638E094C505}"/>
+              </a:ext>
+            </a:extLst>
+          </p:cNvPr>
+          <p:cNvPicPr>
+            <a:picLocks noChangeAspect="1"/>
+          </p:cNvPicPr>
+          <p:nvPr/>
+        </p:nvPicPr>
+        <p:blipFill>
+          <a:blip r:embed="rId3"/>
+          <a:stretch>
+            <a:fillRect/>
+          </a:stretch>
+        </p:blipFill>
+        <p:spPr>
+          <a:xfrm>
+            <a:off x="253218" y="5487362"/>
+            <a:ext cx="1102535" cy="1102535"/>
+          </a:xfrm>
+          <a:prstGeom prst="rect">
+            <a:avLst/>
+          </a:prstGeom>
+        </p:spPr>
+      </p:pic>
+      <p:sp>
+        <p:nvSpPr>
+          <p:cNvPr id="10" name="Google Shape;196;p29">
+            <a:extLst>
+              <a:ext uri="{FF2B5EF4-FFF2-40B4-BE49-F238E27FC236}">
+                <a16:creationId xmlns:a16="http://schemas.microsoft.com/office/drawing/2014/main" id="{1A1DEA4B-F970-47D9-B736-599D52BFC156}"/>
+              </a:ext>
+            </a:extLst>
+          </p:cNvPr>
+          <p:cNvSpPr txBox="1"/>
+          <p:nvPr/>
+        </p:nvSpPr>
+        <p:spPr>
+          <a:xfrm>
+            <a:off x="1355753" y="5769963"/>
+            <a:ext cx="1761048" cy="537332"/>
+          </a:xfrm>
+          <a:prstGeom prst="rect">
+            <a:avLst/>
+          </a:prstGeom>
+          <a:noFill/>
+          <a:ln>
+            <a:noFill/>
+          </a:ln>
+        </p:spPr>
+        <p:txBody>
+          <a:bodyPr spcFirstLastPara="1" wrap="square" lIns="91425" tIns="91425" rIns="91425" bIns="91425" anchor="t" anchorCtr="0">
+            <a:noAutofit/>
+          </a:bodyPr>
+          <a:lstStyle/>
+          <a:p>
+            <a:pPr lvl="0" algn="just"/>
+            <a:r>
+              <a:rPr lang="pt-BR" sz="2500" b="1" dirty="0">
+                <a:solidFill>
+                  <a:srgbClr val="6D9A00"/>
+                </a:solidFill>
+                <a:latin typeface="Verdana"/>
+                <a:ea typeface="Verdana"/>
+                <a:cs typeface="Verdana"/>
+                <a:sym typeface="Verdana"/>
+              </a:rPr>
+              <a:t>Swagger</a:t>
+            </a:r>
+            <a:endParaRPr sz="2500" b="1" dirty="0">
+              <a:solidFill>
+                <a:srgbClr val="6D9A00"/>
+              </a:solidFill>
+              <a:latin typeface="Verdana"/>
+              <a:ea typeface="Verdana"/>
+              <a:cs typeface="Verdana"/>
+              <a:sym typeface="Verdana"/>
+            </a:endParaRPr>
+          </a:p>
+        </p:txBody>
+      </p:sp>
+      <p:sp>
+        <p:nvSpPr>
+          <p:cNvPr id="11" name="CaixaDeTexto 10">
+            <a:extLst>
+              <a:ext uri="{FF2B5EF4-FFF2-40B4-BE49-F238E27FC236}">
+                <a16:creationId xmlns:a16="http://schemas.microsoft.com/office/drawing/2014/main" id="{5B63D638-C3AC-4662-B8DF-B4627C925BA5}"/>
+              </a:ext>
+            </a:extLst>
+          </p:cNvPr>
+          <p:cNvSpPr txBox="1"/>
+          <p:nvPr/>
+        </p:nvSpPr>
+        <p:spPr>
+          <a:xfrm>
+            <a:off x="6534462" y="6392903"/>
+            <a:ext cx="2356320" cy="307777"/>
+          </a:xfrm>
+          <a:prstGeom prst="rect">
+            <a:avLst/>
+          </a:prstGeom>
+          <a:noFill/>
+        </p:spPr>
+        <p:txBody>
+          <a:bodyPr wrap="square" rtlCol="0">
+            <a:spAutoFit/>
+          </a:bodyPr>
+          <a:lstStyle/>
+          <a:p>
+            <a:pPr algn="just"/>
+            <a:r>
+              <a:rPr lang="pt-BR" dirty="0">
+                <a:solidFill>
+                  <a:schemeClr val="tx1">
+                    <a:lumMod val="85000"/>
+                    <a:lumOff val="15000"/>
+                  </a:schemeClr>
+                </a:solidFill>
+                <a:latin typeface="Verdana" panose="020B0604030504040204" pitchFamily="34" charset="0"/>
+                <a:ea typeface="Verdana" panose="020B0604030504040204" pitchFamily="34" charset="0"/>
+                <a:cs typeface="Calibri" panose="020F0502020204030204" pitchFamily="34" charset="0"/>
+              </a:rPr>
+              <a:t>Prof. Marcelo Bernardes</a:t>
+            </a:r>
+            <a:endParaRPr lang="pt-BR" b="1" dirty="0">
+              <a:solidFill>
+                <a:schemeClr val="tx1">
+                  <a:lumMod val="85000"/>
+                  <a:lumOff val="15000"/>
+                </a:schemeClr>
+              </a:solidFill>
+              <a:latin typeface="Verdana" panose="020B0604030504040204" pitchFamily="34" charset="0"/>
+              <a:ea typeface="Verdana" panose="020B0604030504040204" pitchFamily="34" charset="0"/>
+              <a:cs typeface="Calibri" panose="020F0502020204030204" pitchFamily="34" charset="0"/>
+            </a:endParaRPr>
           </a:p>
         </p:txBody>
       </p:sp>
@@ -16763,6 +16877,63 @@
           </a:prstGeom>
         </p:spPr>
       </p:pic>
+      <p:sp>
+        <p:nvSpPr>
+          <p:cNvPr id="4" name="CaixaDeTexto 3">
+            <a:extLst>
+              <a:ext uri="{FF2B5EF4-FFF2-40B4-BE49-F238E27FC236}">
+                <a16:creationId xmlns:a16="http://schemas.microsoft.com/office/drawing/2014/main" id="{E6D68156-5108-4446-B4D7-59CD3A499A21}"/>
+              </a:ext>
+            </a:extLst>
+          </p:cNvPr>
+          <p:cNvSpPr txBox="1"/>
+          <p:nvPr/>
+        </p:nvSpPr>
+        <p:spPr>
+          <a:xfrm>
+            <a:off x="6534462" y="6392903"/>
+            <a:ext cx="2356320" cy="307777"/>
+          </a:xfrm>
+          <a:prstGeom prst="rect">
+            <a:avLst/>
+          </a:prstGeom>
+          <a:noFill/>
+        </p:spPr>
+        <p:txBody>
+          <a:bodyPr wrap="square" rtlCol="0">
+            <a:spAutoFit/>
+          </a:bodyPr>
+          <a:lstStyle/>
+          <a:p>
+            <a:pPr algn="just"/>
+            <a:r>
+              <a:rPr lang="pt-BR" dirty="0">
+                <a:solidFill>
+                  <a:schemeClr val="tx1">
+                    <a:lumMod val="85000"/>
+                    <a:lumOff val="15000"/>
+                  </a:schemeClr>
+                </a:solidFill>
+                <a:latin typeface="Verdana" panose="020B0604030504040204" pitchFamily="34" charset="0"/>
+                <a:ea typeface="Verdana" panose="020B0604030504040204" pitchFamily="34" charset="0"/>
+                <a:cs typeface="Calibri" panose="020F0502020204030204" pitchFamily="34" charset="0"/>
+              </a:rPr>
+              <a:t>Prof. Marcelo Bernardes</a:t>
+            </a:r>
+            <a:endParaRPr lang="pt-BR" b="1" dirty="0">
+              <a:solidFill>
+                <a:schemeClr val="tx1">
+                  <a:lumMod val="85000"/>
+                  <a:lumOff val="15000"/>
+                </a:schemeClr>
+              </a:solidFill>
+              <a:latin typeface="Verdana" panose="020B0604030504040204" pitchFamily="34" charset="0"/>
+              <a:ea typeface="Verdana" panose="020B0604030504040204" pitchFamily="34" charset="0"/>
+              <a:cs typeface="Calibri" panose="020F0502020204030204" pitchFamily="34" charset="0"/>
+            </a:endParaRPr>
+          </a:p>
+        </p:txBody>
+      </p:sp>
     </p:spTree>
     <p:extLst>
       <p:ext uri="{BB962C8B-B14F-4D97-AF65-F5344CB8AC3E}">
@@ -16831,6 +17002,57 @@
           </a:prstGeom>
         </p:spPr>
       </p:pic>
+      <p:sp>
+        <p:nvSpPr>
+          <p:cNvPr id="4" name="CaixaDeTexto 3">
+            <a:extLst>
+              <a:ext uri="{FF2B5EF4-FFF2-40B4-BE49-F238E27FC236}">
+                <a16:creationId xmlns:a16="http://schemas.microsoft.com/office/drawing/2014/main" id="{8C8160A1-CE5F-4125-9727-6729BF0274E7}"/>
+              </a:ext>
+            </a:extLst>
+          </p:cNvPr>
+          <p:cNvSpPr txBox="1"/>
+          <p:nvPr/>
+        </p:nvSpPr>
+        <p:spPr>
+          <a:xfrm>
+            <a:off x="6534462" y="6392903"/>
+            <a:ext cx="2356320" cy="307777"/>
+          </a:xfrm>
+          <a:prstGeom prst="rect">
+            <a:avLst/>
+          </a:prstGeom>
+          <a:noFill/>
+        </p:spPr>
+        <p:txBody>
+          <a:bodyPr wrap="square" rtlCol="0">
+            <a:spAutoFit/>
+          </a:bodyPr>
+          <a:lstStyle/>
+          <a:p>
+            <a:pPr algn="just"/>
+            <a:r>
+              <a:rPr lang="pt-BR" dirty="0">
+                <a:solidFill>
+                  <a:schemeClr val="bg1"/>
+                </a:solidFill>
+                <a:latin typeface="Verdana" panose="020B0604030504040204" pitchFamily="34" charset="0"/>
+                <a:ea typeface="Verdana" panose="020B0604030504040204" pitchFamily="34" charset="0"/>
+                <a:cs typeface="Calibri" panose="020F0502020204030204" pitchFamily="34" charset="0"/>
+              </a:rPr>
+              <a:t>Prof. Marcelo Bernardes</a:t>
+            </a:r>
+            <a:endParaRPr lang="pt-BR" b="1" dirty="0">
+              <a:solidFill>
+                <a:schemeClr val="bg1"/>
+              </a:solidFill>
+              <a:latin typeface="Verdana" panose="020B0604030504040204" pitchFamily="34" charset="0"/>
+              <a:ea typeface="Verdana" panose="020B0604030504040204" pitchFamily="34" charset="0"/>
+              <a:cs typeface="Calibri" panose="020F0502020204030204" pitchFamily="34" charset="0"/>
+            </a:endParaRPr>
+          </a:p>
+        </p:txBody>
+      </p:sp>
     </p:spTree>
   </p:cSld>
   <p:clrMapOvr>
@@ -16927,7 +17149,7 @@
         </p:blipFill>
         <p:spPr>
           <a:xfrm>
-            <a:off x="6071767" y="5555492"/>
+            <a:off x="253218" y="5487362"/>
             <a:ext cx="1102535" cy="1102535"/>
           </a:xfrm>
           <a:prstGeom prst="rect">
@@ -16949,7 +17171,7 @@
         </p:nvSpPr>
         <p:spPr>
           <a:xfrm>
-            <a:off x="7174302" y="5838093"/>
+            <a:off x="1355753" y="5769963"/>
             <a:ext cx="1761048" cy="537332"/>
           </a:xfrm>
           <a:prstGeom prst="rect">
@@ -17104,6 +17326,63 @@
               </a:rPr>
               <a:t>Geração automática de código em várias linguagens de programação</a:t>
             </a:r>
+          </a:p>
+        </p:txBody>
+      </p:sp>
+      <p:sp>
+        <p:nvSpPr>
+          <p:cNvPr id="6" name="CaixaDeTexto 5">
+            <a:extLst>
+              <a:ext uri="{FF2B5EF4-FFF2-40B4-BE49-F238E27FC236}">
+                <a16:creationId xmlns:a16="http://schemas.microsoft.com/office/drawing/2014/main" id="{E490F3DE-9D9C-4521-9391-701C39631927}"/>
+              </a:ext>
+            </a:extLst>
+          </p:cNvPr>
+          <p:cNvSpPr txBox="1"/>
+          <p:nvPr/>
+        </p:nvSpPr>
+        <p:spPr>
+          <a:xfrm>
+            <a:off x="6534462" y="6392903"/>
+            <a:ext cx="2356320" cy="307777"/>
+          </a:xfrm>
+          <a:prstGeom prst="rect">
+            <a:avLst/>
+          </a:prstGeom>
+          <a:noFill/>
+        </p:spPr>
+        <p:txBody>
+          <a:bodyPr wrap="square" rtlCol="0">
+            <a:spAutoFit/>
+          </a:bodyPr>
+          <a:lstStyle/>
+          <a:p>
+            <a:pPr algn="just"/>
+            <a:r>
+              <a:rPr lang="pt-BR" dirty="0">
+                <a:solidFill>
+                  <a:schemeClr val="tx1">
+                    <a:lumMod val="85000"/>
+                    <a:lumOff val="15000"/>
+                  </a:schemeClr>
+                </a:solidFill>
+                <a:latin typeface="Verdana" panose="020B0604030504040204" pitchFamily="34" charset="0"/>
+                <a:ea typeface="Verdana" panose="020B0604030504040204" pitchFamily="34" charset="0"/>
+                <a:cs typeface="Calibri" panose="020F0502020204030204" pitchFamily="34" charset="0"/>
+              </a:rPr>
+              <a:t>Prof. Marcelo Bernardes</a:t>
+            </a:r>
+            <a:endParaRPr lang="pt-BR" b="1" dirty="0">
+              <a:solidFill>
+                <a:schemeClr val="tx1">
+                  <a:lumMod val="85000"/>
+                  <a:lumOff val="15000"/>
+                </a:schemeClr>
+              </a:solidFill>
+              <a:latin typeface="Verdana" panose="020B0604030504040204" pitchFamily="34" charset="0"/>
+              <a:ea typeface="Verdana" panose="020B0604030504040204" pitchFamily="34" charset="0"/>
+              <a:cs typeface="Calibri" panose="020F0502020204030204" pitchFamily="34" charset="0"/>
+            </a:endParaRPr>
           </a:p>
         </p:txBody>
       </p:sp>
@@ -17181,92 +17460,6 @@
           </a:p>
         </p:txBody>
       </p:sp>
-      <p:pic>
-        <p:nvPicPr>
-          <p:cNvPr id="5" name="Imagem 4">
-            <a:extLst>
-              <a:ext uri="{FF2B5EF4-FFF2-40B4-BE49-F238E27FC236}">
-                <a16:creationId xmlns:a16="http://schemas.microsoft.com/office/drawing/2014/main" id="{93B3701F-9B83-4075-AC32-05FD5AEF67B9}"/>
-              </a:ext>
-            </a:extLst>
-          </p:cNvPr>
-          <p:cNvPicPr>
-            <a:picLocks noChangeAspect="1"/>
-          </p:cNvPicPr>
-          <p:nvPr/>
-        </p:nvPicPr>
-        <p:blipFill>
-          <a:blip r:embed="rId3"/>
-          <a:stretch>
-            <a:fillRect/>
-          </a:stretch>
-        </p:blipFill>
-        <p:spPr>
-          <a:xfrm>
-            <a:off x="6071767" y="5555492"/>
-            <a:ext cx="1102535" cy="1102535"/>
-          </a:xfrm>
-          <a:prstGeom prst="rect">
-            <a:avLst/>
-          </a:prstGeom>
-        </p:spPr>
-      </p:pic>
-      <p:sp>
-        <p:nvSpPr>
-          <p:cNvPr id="9" name="Google Shape;196;p29">
-            <a:extLst>
-              <a:ext uri="{FF2B5EF4-FFF2-40B4-BE49-F238E27FC236}">
-                <a16:creationId xmlns:a16="http://schemas.microsoft.com/office/drawing/2014/main" id="{5CD6D135-BA4F-4773-B553-F39EEAE1A0F5}"/>
-              </a:ext>
-            </a:extLst>
-          </p:cNvPr>
-          <p:cNvSpPr txBox="1"/>
-          <p:nvPr/>
-        </p:nvSpPr>
-        <p:spPr>
-          <a:xfrm>
-            <a:off x="7174302" y="5838093"/>
-            <a:ext cx="1761048" cy="537332"/>
-          </a:xfrm>
-          <a:prstGeom prst="rect">
-            <a:avLst/>
-          </a:prstGeom>
-          <a:noFill/>
-          <a:ln>
-            <a:noFill/>
-          </a:ln>
-        </p:spPr>
-        <p:txBody>
-          <a:bodyPr spcFirstLastPara="1" wrap="square" lIns="91425" tIns="91425" rIns="91425" bIns="91425" anchor="t" anchorCtr="0">
-            <a:noAutofit/>
-          </a:bodyPr>
-          <a:lstStyle/>
-          <a:p>
-            <a:pPr lvl="0" algn="just"/>
-            <a:r>
-              <a:rPr lang="pt-BR" sz="2500" b="1" dirty="0">
-                <a:solidFill>
-                  <a:srgbClr val="6D9A00"/>
-                </a:solidFill>
-                <a:latin typeface="Verdana"/>
-                <a:ea typeface="Verdana"/>
-                <a:cs typeface="Verdana"/>
-                <a:sym typeface="Verdana"/>
-              </a:rPr>
-              <a:t>Swagger</a:t>
-            </a:r>
-            <a:endParaRPr sz="2500" b="1" dirty="0">
-              <a:solidFill>
-                <a:srgbClr val="6D9A00"/>
-              </a:solidFill>
-              <a:latin typeface="Verdana"/>
-              <a:ea typeface="Verdana"/>
-              <a:cs typeface="Verdana"/>
-              <a:sym typeface="Verdana"/>
-            </a:endParaRPr>
-          </a:p>
-        </p:txBody>
-      </p:sp>
       <p:sp>
         <p:nvSpPr>
           <p:cNvPr id="10" name="Google Shape;196;p29">
@@ -17408,6 +17601,149 @@
               <a:ea typeface="Verdana"/>
               <a:cs typeface="Verdana"/>
               <a:sym typeface="Verdana"/>
+            </a:endParaRPr>
+          </a:p>
+        </p:txBody>
+      </p:sp>
+      <p:pic>
+        <p:nvPicPr>
+          <p:cNvPr id="6" name="Imagem 5">
+            <a:extLst>
+              <a:ext uri="{FF2B5EF4-FFF2-40B4-BE49-F238E27FC236}">
+                <a16:creationId xmlns:a16="http://schemas.microsoft.com/office/drawing/2014/main" id="{874A3C6D-C418-458A-9A00-64C9C7C479E7}"/>
+              </a:ext>
+            </a:extLst>
+          </p:cNvPr>
+          <p:cNvPicPr>
+            <a:picLocks noChangeAspect="1"/>
+          </p:cNvPicPr>
+          <p:nvPr/>
+        </p:nvPicPr>
+        <p:blipFill>
+          <a:blip r:embed="rId3"/>
+          <a:stretch>
+            <a:fillRect/>
+          </a:stretch>
+        </p:blipFill>
+        <p:spPr>
+          <a:xfrm>
+            <a:off x="253218" y="5487362"/>
+            <a:ext cx="1102535" cy="1102535"/>
+          </a:xfrm>
+          <a:prstGeom prst="rect">
+            <a:avLst/>
+          </a:prstGeom>
+        </p:spPr>
+      </p:pic>
+      <p:sp>
+        <p:nvSpPr>
+          <p:cNvPr id="7" name="Google Shape;196;p29">
+            <a:extLst>
+              <a:ext uri="{FF2B5EF4-FFF2-40B4-BE49-F238E27FC236}">
+                <a16:creationId xmlns:a16="http://schemas.microsoft.com/office/drawing/2014/main" id="{6FC629D9-82EF-4CA3-98F8-6C7291EF6B72}"/>
+              </a:ext>
+            </a:extLst>
+          </p:cNvPr>
+          <p:cNvSpPr txBox="1"/>
+          <p:nvPr/>
+        </p:nvSpPr>
+        <p:spPr>
+          <a:xfrm>
+            <a:off x="1355753" y="5769963"/>
+            <a:ext cx="1761048" cy="537332"/>
+          </a:xfrm>
+          <a:prstGeom prst="rect">
+            <a:avLst/>
+          </a:prstGeom>
+          <a:noFill/>
+          <a:ln>
+            <a:noFill/>
+          </a:ln>
+        </p:spPr>
+        <p:txBody>
+          <a:bodyPr spcFirstLastPara="1" wrap="square" lIns="91425" tIns="91425" rIns="91425" bIns="91425" anchor="t" anchorCtr="0">
+            <a:noAutofit/>
+          </a:bodyPr>
+          <a:lstStyle/>
+          <a:p>
+            <a:pPr lvl="0" algn="just"/>
+            <a:r>
+              <a:rPr lang="pt-BR" sz="2500" b="1" dirty="0">
+                <a:solidFill>
+                  <a:srgbClr val="6D9A00"/>
+                </a:solidFill>
+                <a:latin typeface="Verdana"/>
+                <a:ea typeface="Verdana"/>
+                <a:cs typeface="Verdana"/>
+                <a:sym typeface="Verdana"/>
+              </a:rPr>
+              <a:t>Swagger</a:t>
+            </a:r>
+            <a:endParaRPr sz="2500" b="1" dirty="0">
+              <a:solidFill>
+                <a:srgbClr val="6D9A00"/>
+              </a:solidFill>
+              <a:latin typeface="Verdana"/>
+              <a:ea typeface="Verdana"/>
+              <a:cs typeface="Verdana"/>
+              <a:sym typeface="Verdana"/>
+            </a:endParaRPr>
+          </a:p>
+        </p:txBody>
+      </p:sp>
+      <p:sp>
+        <p:nvSpPr>
+          <p:cNvPr id="8" name="CaixaDeTexto 7">
+            <a:extLst>
+              <a:ext uri="{FF2B5EF4-FFF2-40B4-BE49-F238E27FC236}">
+                <a16:creationId xmlns:a16="http://schemas.microsoft.com/office/drawing/2014/main" id="{9025E731-6268-43BC-AD3F-62F2567EC6A1}"/>
+              </a:ext>
+            </a:extLst>
+          </p:cNvPr>
+          <p:cNvSpPr txBox="1"/>
+          <p:nvPr/>
+        </p:nvSpPr>
+        <p:spPr>
+          <a:xfrm>
+            <a:off x="6534462" y="6392903"/>
+            <a:ext cx="2356320" cy="307777"/>
+          </a:xfrm>
+          <a:prstGeom prst="rect">
+            <a:avLst/>
+          </a:prstGeom>
+          <a:noFill/>
+        </p:spPr>
+        <p:txBody>
+          <a:bodyPr wrap="square" rtlCol="0">
+            <a:spAutoFit/>
+          </a:bodyPr>
+          <a:lstStyle/>
+          <a:p>
+            <a:pPr algn="just"/>
+            <a:r>
+              <a:rPr lang="pt-BR" dirty="0">
+                <a:solidFill>
+                  <a:schemeClr val="tx1">
+                    <a:lumMod val="85000"/>
+                    <a:lumOff val="15000"/>
+                  </a:schemeClr>
+                </a:solidFill>
+                <a:latin typeface="Verdana" panose="020B0604030504040204" pitchFamily="34" charset="0"/>
+                <a:ea typeface="Verdana" panose="020B0604030504040204" pitchFamily="34" charset="0"/>
+                <a:cs typeface="Calibri" panose="020F0502020204030204" pitchFamily="34" charset="0"/>
+              </a:rPr>
+              <a:t>Prof. Marcelo Bernardes</a:t>
+            </a:r>
+            <a:endParaRPr lang="pt-BR" b="1" dirty="0">
+              <a:solidFill>
+                <a:schemeClr val="tx1">
+                  <a:lumMod val="85000"/>
+                  <a:lumOff val="15000"/>
+                </a:schemeClr>
+              </a:solidFill>
+              <a:latin typeface="Verdana" panose="020B0604030504040204" pitchFamily="34" charset="0"/>
+              <a:ea typeface="Verdana" panose="020B0604030504040204" pitchFamily="34" charset="0"/>
+              <a:cs typeface="Calibri" panose="020F0502020204030204" pitchFamily="34" charset="0"/>
             </a:endParaRPr>
           </a:p>
         </p:txBody>
@@ -17491,92 +17827,6 @@
           </a:p>
         </p:txBody>
       </p:sp>
-      <p:pic>
-        <p:nvPicPr>
-          <p:cNvPr id="5" name="Imagem 4">
-            <a:extLst>
-              <a:ext uri="{FF2B5EF4-FFF2-40B4-BE49-F238E27FC236}">
-                <a16:creationId xmlns:a16="http://schemas.microsoft.com/office/drawing/2014/main" id="{93B3701F-9B83-4075-AC32-05FD5AEF67B9}"/>
-              </a:ext>
-            </a:extLst>
-          </p:cNvPr>
-          <p:cNvPicPr>
-            <a:picLocks noChangeAspect="1"/>
-          </p:cNvPicPr>
-          <p:nvPr/>
-        </p:nvPicPr>
-        <p:blipFill>
-          <a:blip r:embed="rId3"/>
-          <a:stretch>
-            <a:fillRect/>
-          </a:stretch>
-        </p:blipFill>
-        <p:spPr>
-          <a:xfrm>
-            <a:off x="6071767" y="5555492"/>
-            <a:ext cx="1102535" cy="1102535"/>
-          </a:xfrm>
-          <a:prstGeom prst="rect">
-            <a:avLst/>
-          </a:prstGeom>
-        </p:spPr>
-      </p:pic>
-      <p:sp>
-        <p:nvSpPr>
-          <p:cNvPr id="9" name="Google Shape;196;p29">
-            <a:extLst>
-              <a:ext uri="{FF2B5EF4-FFF2-40B4-BE49-F238E27FC236}">
-                <a16:creationId xmlns:a16="http://schemas.microsoft.com/office/drawing/2014/main" id="{5CD6D135-BA4F-4773-B553-F39EEAE1A0F5}"/>
-              </a:ext>
-            </a:extLst>
-          </p:cNvPr>
-          <p:cNvSpPr txBox="1"/>
-          <p:nvPr/>
-        </p:nvSpPr>
-        <p:spPr>
-          <a:xfrm>
-            <a:off x="7174302" y="5838093"/>
-            <a:ext cx="1761048" cy="537332"/>
-          </a:xfrm>
-          <a:prstGeom prst="rect">
-            <a:avLst/>
-          </a:prstGeom>
-          <a:noFill/>
-          <a:ln>
-            <a:noFill/>
-          </a:ln>
-        </p:spPr>
-        <p:txBody>
-          <a:bodyPr spcFirstLastPara="1" wrap="square" lIns="91425" tIns="91425" rIns="91425" bIns="91425" anchor="t" anchorCtr="0">
-            <a:noAutofit/>
-          </a:bodyPr>
-          <a:lstStyle/>
-          <a:p>
-            <a:pPr lvl="0" algn="just"/>
-            <a:r>
-              <a:rPr lang="pt-BR" sz="2500" b="1" dirty="0">
-                <a:solidFill>
-                  <a:srgbClr val="6D9A00"/>
-                </a:solidFill>
-                <a:latin typeface="Verdana"/>
-                <a:ea typeface="Verdana"/>
-                <a:cs typeface="Verdana"/>
-                <a:sym typeface="Verdana"/>
-              </a:rPr>
-              <a:t>Swagger</a:t>
-            </a:r>
-            <a:endParaRPr sz="2500" b="1" dirty="0">
-              <a:solidFill>
-                <a:srgbClr val="6D9A00"/>
-              </a:solidFill>
-              <a:latin typeface="Verdana"/>
-              <a:ea typeface="Verdana"/>
-              <a:cs typeface="Verdana"/>
-              <a:sym typeface="Verdana"/>
-            </a:endParaRPr>
-          </a:p>
-        </p:txBody>
-      </p:sp>
       <p:sp>
         <p:nvSpPr>
           <p:cNvPr id="8" name="Google Shape;196;p29">
@@ -17639,7 +17889,7 @@
           <p:nvPr/>
         </p:nvPicPr>
         <p:blipFill>
-          <a:blip r:embed="rId4"/>
+          <a:blip r:embed="rId3"/>
           <a:stretch>
             <a:fillRect/>
           </a:stretch>
@@ -17654,6 +17904,149 @@
           </a:prstGeom>
         </p:spPr>
       </p:pic>
+      <p:pic>
+        <p:nvPicPr>
+          <p:cNvPr id="7" name="Imagem 6">
+            <a:extLst>
+              <a:ext uri="{FF2B5EF4-FFF2-40B4-BE49-F238E27FC236}">
+                <a16:creationId xmlns:a16="http://schemas.microsoft.com/office/drawing/2014/main" id="{306C44AB-1666-42D7-83DC-D1757C01DA38}"/>
+              </a:ext>
+            </a:extLst>
+          </p:cNvPr>
+          <p:cNvPicPr>
+            <a:picLocks noChangeAspect="1"/>
+          </p:cNvPicPr>
+          <p:nvPr/>
+        </p:nvPicPr>
+        <p:blipFill>
+          <a:blip r:embed="rId4"/>
+          <a:stretch>
+            <a:fillRect/>
+          </a:stretch>
+        </p:blipFill>
+        <p:spPr>
+          <a:xfrm>
+            <a:off x="253218" y="5487362"/>
+            <a:ext cx="1102535" cy="1102535"/>
+          </a:xfrm>
+          <a:prstGeom prst="rect">
+            <a:avLst/>
+          </a:prstGeom>
+        </p:spPr>
+      </p:pic>
+      <p:sp>
+        <p:nvSpPr>
+          <p:cNvPr id="10" name="Google Shape;196;p29">
+            <a:extLst>
+              <a:ext uri="{FF2B5EF4-FFF2-40B4-BE49-F238E27FC236}">
+                <a16:creationId xmlns:a16="http://schemas.microsoft.com/office/drawing/2014/main" id="{8594A0D2-4F01-4F3E-A89C-981DA76D0BB0}"/>
+              </a:ext>
+            </a:extLst>
+          </p:cNvPr>
+          <p:cNvSpPr txBox="1"/>
+          <p:nvPr/>
+        </p:nvSpPr>
+        <p:spPr>
+          <a:xfrm>
+            <a:off x="1355753" y="5769963"/>
+            <a:ext cx="1761048" cy="537332"/>
+          </a:xfrm>
+          <a:prstGeom prst="rect">
+            <a:avLst/>
+          </a:prstGeom>
+          <a:noFill/>
+          <a:ln>
+            <a:noFill/>
+          </a:ln>
+        </p:spPr>
+        <p:txBody>
+          <a:bodyPr spcFirstLastPara="1" wrap="square" lIns="91425" tIns="91425" rIns="91425" bIns="91425" anchor="t" anchorCtr="0">
+            <a:noAutofit/>
+          </a:bodyPr>
+          <a:lstStyle/>
+          <a:p>
+            <a:pPr lvl="0" algn="just"/>
+            <a:r>
+              <a:rPr lang="pt-BR" sz="2500" b="1" dirty="0">
+                <a:solidFill>
+                  <a:srgbClr val="6D9A00"/>
+                </a:solidFill>
+                <a:latin typeface="Verdana"/>
+                <a:ea typeface="Verdana"/>
+                <a:cs typeface="Verdana"/>
+                <a:sym typeface="Verdana"/>
+              </a:rPr>
+              <a:t>Swagger</a:t>
+            </a:r>
+            <a:endParaRPr sz="2500" b="1" dirty="0">
+              <a:solidFill>
+                <a:srgbClr val="6D9A00"/>
+              </a:solidFill>
+              <a:latin typeface="Verdana"/>
+              <a:ea typeface="Verdana"/>
+              <a:cs typeface="Verdana"/>
+              <a:sym typeface="Verdana"/>
+            </a:endParaRPr>
+          </a:p>
+        </p:txBody>
+      </p:sp>
+      <p:sp>
+        <p:nvSpPr>
+          <p:cNvPr id="11" name="CaixaDeTexto 10">
+            <a:extLst>
+              <a:ext uri="{FF2B5EF4-FFF2-40B4-BE49-F238E27FC236}">
+                <a16:creationId xmlns:a16="http://schemas.microsoft.com/office/drawing/2014/main" id="{B777580A-04E8-4506-9124-198EA4B17DD8}"/>
+              </a:ext>
+            </a:extLst>
+          </p:cNvPr>
+          <p:cNvSpPr txBox="1"/>
+          <p:nvPr/>
+        </p:nvSpPr>
+        <p:spPr>
+          <a:xfrm>
+            <a:off x="6534462" y="6392903"/>
+            <a:ext cx="2356320" cy="307777"/>
+          </a:xfrm>
+          <a:prstGeom prst="rect">
+            <a:avLst/>
+          </a:prstGeom>
+          <a:noFill/>
+        </p:spPr>
+        <p:txBody>
+          <a:bodyPr wrap="square" rtlCol="0">
+            <a:spAutoFit/>
+          </a:bodyPr>
+          <a:lstStyle/>
+          <a:p>
+            <a:pPr algn="just"/>
+            <a:r>
+              <a:rPr lang="pt-BR" dirty="0">
+                <a:solidFill>
+                  <a:schemeClr val="tx1">
+                    <a:lumMod val="85000"/>
+                    <a:lumOff val="15000"/>
+                  </a:schemeClr>
+                </a:solidFill>
+                <a:latin typeface="Verdana" panose="020B0604030504040204" pitchFamily="34" charset="0"/>
+                <a:ea typeface="Verdana" panose="020B0604030504040204" pitchFamily="34" charset="0"/>
+                <a:cs typeface="Calibri" panose="020F0502020204030204" pitchFamily="34" charset="0"/>
+              </a:rPr>
+              <a:t>Prof. Marcelo Bernardes</a:t>
+            </a:r>
+            <a:endParaRPr lang="pt-BR" b="1" dirty="0">
+              <a:solidFill>
+                <a:schemeClr val="tx1">
+                  <a:lumMod val="85000"/>
+                  <a:lumOff val="15000"/>
+                </a:schemeClr>
+              </a:solidFill>
+              <a:latin typeface="Verdana" panose="020B0604030504040204" pitchFamily="34" charset="0"/>
+              <a:ea typeface="Verdana" panose="020B0604030504040204" pitchFamily="34" charset="0"/>
+              <a:cs typeface="Calibri" panose="020F0502020204030204" pitchFamily="34" charset="0"/>
+            </a:endParaRPr>
+          </a:p>
+        </p:txBody>
+      </p:sp>
     </p:spTree>
     <p:extLst>
       <p:ext uri="{BB962C8B-B14F-4D97-AF65-F5344CB8AC3E}">
@@ -17733,92 +18126,6 @@
           </a:p>
         </p:txBody>
       </p:sp>
-      <p:pic>
-        <p:nvPicPr>
-          <p:cNvPr id="5" name="Imagem 4">
-            <a:extLst>
-              <a:ext uri="{FF2B5EF4-FFF2-40B4-BE49-F238E27FC236}">
-                <a16:creationId xmlns:a16="http://schemas.microsoft.com/office/drawing/2014/main" id="{93B3701F-9B83-4075-AC32-05FD5AEF67B9}"/>
-              </a:ext>
-            </a:extLst>
-          </p:cNvPr>
-          <p:cNvPicPr>
-            <a:picLocks noChangeAspect="1"/>
-          </p:cNvPicPr>
-          <p:nvPr/>
-        </p:nvPicPr>
-        <p:blipFill>
-          <a:blip r:embed="rId3"/>
-          <a:stretch>
-            <a:fillRect/>
-          </a:stretch>
-        </p:blipFill>
-        <p:spPr>
-          <a:xfrm>
-            <a:off x="6071767" y="5555492"/>
-            <a:ext cx="1102535" cy="1102535"/>
-          </a:xfrm>
-          <a:prstGeom prst="rect">
-            <a:avLst/>
-          </a:prstGeom>
-        </p:spPr>
-      </p:pic>
-      <p:sp>
-        <p:nvSpPr>
-          <p:cNvPr id="9" name="Google Shape;196;p29">
-            <a:extLst>
-              <a:ext uri="{FF2B5EF4-FFF2-40B4-BE49-F238E27FC236}">
-                <a16:creationId xmlns:a16="http://schemas.microsoft.com/office/drawing/2014/main" id="{5CD6D135-BA4F-4773-B553-F39EEAE1A0F5}"/>
-              </a:ext>
-            </a:extLst>
-          </p:cNvPr>
-          <p:cNvSpPr txBox="1"/>
-          <p:nvPr/>
-        </p:nvSpPr>
-        <p:spPr>
-          <a:xfrm>
-            <a:off x="7174302" y="5838093"/>
-            <a:ext cx="1761048" cy="537332"/>
-          </a:xfrm>
-          <a:prstGeom prst="rect">
-            <a:avLst/>
-          </a:prstGeom>
-          <a:noFill/>
-          <a:ln>
-            <a:noFill/>
-          </a:ln>
-        </p:spPr>
-        <p:txBody>
-          <a:bodyPr spcFirstLastPara="1" wrap="square" lIns="91425" tIns="91425" rIns="91425" bIns="91425" anchor="t" anchorCtr="0">
-            <a:noAutofit/>
-          </a:bodyPr>
-          <a:lstStyle/>
-          <a:p>
-            <a:pPr lvl="0" algn="just"/>
-            <a:r>
-              <a:rPr lang="pt-BR" sz="2500" b="1" dirty="0">
-                <a:solidFill>
-                  <a:srgbClr val="6D9A00"/>
-                </a:solidFill>
-                <a:latin typeface="Verdana"/>
-                <a:ea typeface="Verdana"/>
-                <a:cs typeface="Verdana"/>
-                <a:sym typeface="Verdana"/>
-              </a:rPr>
-              <a:t>Swagger</a:t>
-            </a:r>
-            <a:endParaRPr sz="2500" b="1" dirty="0">
-              <a:solidFill>
-                <a:srgbClr val="6D9A00"/>
-              </a:solidFill>
-              <a:latin typeface="Verdana"/>
-              <a:ea typeface="Verdana"/>
-              <a:cs typeface="Verdana"/>
-              <a:sym typeface="Verdana"/>
-            </a:endParaRPr>
-          </a:p>
-        </p:txBody>
-      </p:sp>
       <p:sp>
         <p:nvSpPr>
           <p:cNvPr id="7" name="Google Shape;196;p29">
@@ -17883,6 +18190,149 @@
               <a:ea typeface="Verdana"/>
               <a:cs typeface="Verdana"/>
               <a:sym typeface="Verdana"/>
+            </a:endParaRPr>
+          </a:p>
+        </p:txBody>
+      </p:sp>
+      <p:pic>
+        <p:nvPicPr>
+          <p:cNvPr id="6" name="Imagem 5">
+            <a:extLst>
+              <a:ext uri="{FF2B5EF4-FFF2-40B4-BE49-F238E27FC236}">
+                <a16:creationId xmlns:a16="http://schemas.microsoft.com/office/drawing/2014/main" id="{A5C434E4-3B86-4E22-909D-BCE4B017EFE0}"/>
+              </a:ext>
+            </a:extLst>
+          </p:cNvPr>
+          <p:cNvPicPr>
+            <a:picLocks noChangeAspect="1"/>
+          </p:cNvPicPr>
+          <p:nvPr/>
+        </p:nvPicPr>
+        <p:blipFill>
+          <a:blip r:embed="rId3"/>
+          <a:stretch>
+            <a:fillRect/>
+          </a:stretch>
+        </p:blipFill>
+        <p:spPr>
+          <a:xfrm>
+            <a:off x="253218" y="5487362"/>
+            <a:ext cx="1102535" cy="1102535"/>
+          </a:xfrm>
+          <a:prstGeom prst="rect">
+            <a:avLst/>
+          </a:prstGeom>
+        </p:spPr>
+      </p:pic>
+      <p:sp>
+        <p:nvSpPr>
+          <p:cNvPr id="8" name="Google Shape;196;p29">
+            <a:extLst>
+              <a:ext uri="{FF2B5EF4-FFF2-40B4-BE49-F238E27FC236}">
+                <a16:creationId xmlns:a16="http://schemas.microsoft.com/office/drawing/2014/main" id="{E3B67847-0BEA-4557-8B89-C827B6B36D10}"/>
+              </a:ext>
+            </a:extLst>
+          </p:cNvPr>
+          <p:cNvSpPr txBox="1"/>
+          <p:nvPr/>
+        </p:nvSpPr>
+        <p:spPr>
+          <a:xfrm>
+            <a:off x="1355753" y="5769963"/>
+            <a:ext cx="1761048" cy="537332"/>
+          </a:xfrm>
+          <a:prstGeom prst="rect">
+            <a:avLst/>
+          </a:prstGeom>
+          <a:noFill/>
+          <a:ln>
+            <a:noFill/>
+          </a:ln>
+        </p:spPr>
+        <p:txBody>
+          <a:bodyPr spcFirstLastPara="1" wrap="square" lIns="91425" tIns="91425" rIns="91425" bIns="91425" anchor="t" anchorCtr="0">
+            <a:noAutofit/>
+          </a:bodyPr>
+          <a:lstStyle/>
+          <a:p>
+            <a:pPr lvl="0" algn="just"/>
+            <a:r>
+              <a:rPr lang="pt-BR" sz="2500" b="1" dirty="0">
+                <a:solidFill>
+                  <a:srgbClr val="6D9A00"/>
+                </a:solidFill>
+                <a:latin typeface="Verdana"/>
+                <a:ea typeface="Verdana"/>
+                <a:cs typeface="Verdana"/>
+                <a:sym typeface="Verdana"/>
+              </a:rPr>
+              <a:t>Swagger</a:t>
+            </a:r>
+            <a:endParaRPr sz="2500" b="1" dirty="0">
+              <a:solidFill>
+                <a:srgbClr val="6D9A00"/>
+              </a:solidFill>
+              <a:latin typeface="Verdana"/>
+              <a:ea typeface="Verdana"/>
+              <a:cs typeface="Verdana"/>
+              <a:sym typeface="Verdana"/>
+            </a:endParaRPr>
+          </a:p>
+        </p:txBody>
+      </p:sp>
+      <p:sp>
+        <p:nvSpPr>
+          <p:cNvPr id="10" name="CaixaDeTexto 9">
+            <a:extLst>
+              <a:ext uri="{FF2B5EF4-FFF2-40B4-BE49-F238E27FC236}">
+                <a16:creationId xmlns:a16="http://schemas.microsoft.com/office/drawing/2014/main" id="{D2E3D30E-30A9-4CCD-8E62-EC530BB0FD36}"/>
+              </a:ext>
+            </a:extLst>
+          </p:cNvPr>
+          <p:cNvSpPr txBox="1"/>
+          <p:nvPr/>
+        </p:nvSpPr>
+        <p:spPr>
+          <a:xfrm>
+            <a:off x="6534462" y="6392903"/>
+            <a:ext cx="2356320" cy="307777"/>
+          </a:xfrm>
+          <a:prstGeom prst="rect">
+            <a:avLst/>
+          </a:prstGeom>
+          <a:noFill/>
+        </p:spPr>
+        <p:txBody>
+          <a:bodyPr wrap="square" rtlCol="0">
+            <a:spAutoFit/>
+          </a:bodyPr>
+          <a:lstStyle/>
+          <a:p>
+            <a:pPr algn="just"/>
+            <a:r>
+              <a:rPr lang="pt-BR" dirty="0">
+                <a:solidFill>
+                  <a:schemeClr val="tx1">
+                    <a:lumMod val="85000"/>
+                    <a:lumOff val="15000"/>
+                  </a:schemeClr>
+                </a:solidFill>
+                <a:latin typeface="Verdana" panose="020B0604030504040204" pitchFamily="34" charset="0"/>
+                <a:ea typeface="Verdana" panose="020B0604030504040204" pitchFamily="34" charset="0"/>
+                <a:cs typeface="Calibri" panose="020F0502020204030204" pitchFamily="34" charset="0"/>
+              </a:rPr>
+              <a:t>Prof. Marcelo Bernardes</a:t>
+            </a:r>
+            <a:endParaRPr lang="pt-BR" b="1" dirty="0">
+              <a:solidFill>
+                <a:schemeClr val="tx1">
+                  <a:lumMod val="85000"/>
+                  <a:lumOff val="15000"/>
+                </a:schemeClr>
+              </a:solidFill>
+              <a:latin typeface="Verdana" panose="020B0604030504040204" pitchFamily="34" charset="0"/>
+              <a:ea typeface="Verdana" panose="020B0604030504040204" pitchFamily="34" charset="0"/>
+              <a:cs typeface="Calibri" panose="020F0502020204030204" pitchFamily="34" charset="0"/>
             </a:endParaRPr>
           </a:p>
         </p:txBody>
@@ -17966,92 +18416,6 @@
           </a:p>
         </p:txBody>
       </p:sp>
-      <p:pic>
-        <p:nvPicPr>
-          <p:cNvPr id="5" name="Imagem 4">
-            <a:extLst>
-              <a:ext uri="{FF2B5EF4-FFF2-40B4-BE49-F238E27FC236}">
-                <a16:creationId xmlns:a16="http://schemas.microsoft.com/office/drawing/2014/main" id="{93B3701F-9B83-4075-AC32-05FD5AEF67B9}"/>
-              </a:ext>
-            </a:extLst>
-          </p:cNvPr>
-          <p:cNvPicPr>
-            <a:picLocks noChangeAspect="1"/>
-          </p:cNvPicPr>
-          <p:nvPr/>
-        </p:nvPicPr>
-        <p:blipFill>
-          <a:blip r:embed="rId3"/>
-          <a:stretch>
-            <a:fillRect/>
-          </a:stretch>
-        </p:blipFill>
-        <p:spPr>
-          <a:xfrm>
-            <a:off x="6071767" y="5555492"/>
-            <a:ext cx="1102535" cy="1102535"/>
-          </a:xfrm>
-          <a:prstGeom prst="rect">
-            <a:avLst/>
-          </a:prstGeom>
-        </p:spPr>
-      </p:pic>
-      <p:sp>
-        <p:nvSpPr>
-          <p:cNvPr id="9" name="Google Shape;196;p29">
-            <a:extLst>
-              <a:ext uri="{FF2B5EF4-FFF2-40B4-BE49-F238E27FC236}">
-                <a16:creationId xmlns:a16="http://schemas.microsoft.com/office/drawing/2014/main" id="{5CD6D135-BA4F-4773-B553-F39EEAE1A0F5}"/>
-              </a:ext>
-            </a:extLst>
-          </p:cNvPr>
-          <p:cNvSpPr txBox="1"/>
-          <p:nvPr/>
-        </p:nvSpPr>
-        <p:spPr>
-          <a:xfrm>
-            <a:off x="7174302" y="5838093"/>
-            <a:ext cx="1761048" cy="537332"/>
-          </a:xfrm>
-          <a:prstGeom prst="rect">
-            <a:avLst/>
-          </a:prstGeom>
-          <a:noFill/>
-          <a:ln>
-            <a:noFill/>
-          </a:ln>
-        </p:spPr>
-        <p:txBody>
-          <a:bodyPr spcFirstLastPara="1" wrap="square" lIns="91425" tIns="91425" rIns="91425" bIns="91425" anchor="t" anchorCtr="0">
-            <a:noAutofit/>
-          </a:bodyPr>
-          <a:lstStyle/>
-          <a:p>
-            <a:pPr lvl="0" algn="just"/>
-            <a:r>
-              <a:rPr lang="pt-BR" sz="2500" b="1" dirty="0">
-                <a:solidFill>
-                  <a:srgbClr val="6D9A00"/>
-                </a:solidFill>
-                <a:latin typeface="Verdana"/>
-                <a:ea typeface="Verdana"/>
-                <a:cs typeface="Verdana"/>
-                <a:sym typeface="Verdana"/>
-              </a:rPr>
-              <a:t>Swagger</a:t>
-            </a:r>
-            <a:endParaRPr sz="2500" b="1" dirty="0">
-              <a:solidFill>
-                <a:srgbClr val="6D9A00"/>
-              </a:solidFill>
-              <a:latin typeface="Verdana"/>
-              <a:ea typeface="Verdana"/>
-              <a:cs typeface="Verdana"/>
-              <a:sym typeface="Verdana"/>
-            </a:endParaRPr>
-          </a:p>
-        </p:txBody>
-      </p:sp>
       <p:sp>
         <p:nvSpPr>
           <p:cNvPr id="6" name="Google Shape;196;p29">
@@ -18096,6 +18460,149 @@
               </a:rPr>
               <a:t>3 - Criar a classe SwaggerConfig.java</a:t>
             </a:r>
+          </a:p>
+        </p:txBody>
+      </p:sp>
+      <p:pic>
+        <p:nvPicPr>
+          <p:cNvPr id="7" name="Imagem 6">
+            <a:extLst>
+              <a:ext uri="{FF2B5EF4-FFF2-40B4-BE49-F238E27FC236}">
+                <a16:creationId xmlns:a16="http://schemas.microsoft.com/office/drawing/2014/main" id="{733C75C0-74E8-41B3-B114-D9EDCB5CBC14}"/>
+              </a:ext>
+            </a:extLst>
+          </p:cNvPr>
+          <p:cNvPicPr>
+            <a:picLocks noChangeAspect="1"/>
+          </p:cNvPicPr>
+          <p:nvPr/>
+        </p:nvPicPr>
+        <p:blipFill>
+          <a:blip r:embed="rId3"/>
+          <a:stretch>
+            <a:fillRect/>
+          </a:stretch>
+        </p:blipFill>
+        <p:spPr>
+          <a:xfrm>
+            <a:off x="253218" y="5487362"/>
+            <a:ext cx="1102535" cy="1102535"/>
+          </a:xfrm>
+          <a:prstGeom prst="rect">
+            <a:avLst/>
+          </a:prstGeom>
+        </p:spPr>
+      </p:pic>
+      <p:sp>
+        <p:nvSpPr>
+          <p:cNvPr id="8" name="Google Shape;196;p29">
+            <a:extLst>
+              <a:ext uri="{FF2B5EF4-FFF2-40B4-BE49-F238E27FC236}">
+                <a16:creationId xmlns:a16="http://schemas.microsoft.com/office/drawing/2014/main" id="{BF359634-179E-43BC-AB3A-6895FBAA023E}"/>
+              </a:ext>
+            </a:extLst>
+          </p:cNvPr>
+          <p:cNvSpPr txBox="1"/>
+          <p:nvPr/>
+        </p:nvSpPr>
+        <p:spPr>
+          <a:xfrm>
+            <a:off x="1355753" y="5769963"/>
+            <a:ext cx="1761048" cy="537332"/>
+          </a:xfrm>
+          <a:prstGeom prst="rect">
+            <a:avLst/>
+          </a:prstGeom>
+          <a:noFill/>
+          <a:ln>
+            <a:noFill/>
+          </a:ln>
+        </p:spPr>
+        <p:txBody>
+          <a:bodyPr spcFirstLastPara="1" wrap="square" lIns="91425" tIns="91425" rIns="91425" bIns="91425" anchor="t" anchorCtr="0">
+            <a:noAutofit/>
+          </a:bodyPr>
+          <a:lstStyle/>
+          <a:p>
+            <a:pPr lvl="0" algn="just"/>
+            <a:r>
+              <a:rPr lang="pt-BR" sz="2500" b="1" dirty="0">
+                <a:solidFill>
+                  <a:srgbClr val="6D9A00"/>
+                </a:solidFill>
+                <a:latin typeface="Verdana"/>
+                <a:ea typeface="Verdana"/>
+                <a:cs typeface="Verdana"/>
+                <a:sym typeface="Verdana"/>
+              </a:rPr>
+              <a:t>Swagger</a:t>
+            </a:r>
+            <a:endParaRPr sz="2500" b="1" dirty="0">
+              <a:solidFill>
+                <a:srgbClr val="6D9A00"/>
+              </a:solidFill>
+              <a:latin typeface="Verdana"/>
+              <a:ea typeface="Verdana"/>
+              <a:cs typeface="Verdana"/>
+              <a:sym typeface="Verdana"/>
+            </a:endParaRPr>
+          </a:p>
+        </p:txBody>
+      </p:sp>
+      <p:sp>
+        <p:nvSpPr>
+          <p:cNvPr id="10" name="CaixaDeTexto 9">
+            <a:extLst>
+              <a:ext uri="{FF2B5EF4-FFF2-40B4-BE49-F238E27FC236}">
+                <a16:creationId xmlns:a16="http://schemas.microsoft.com/office/drawing/2014/main" id="{06525947-88C7-4C16-8467-2D1121E18FF5}"/>
+              </a:ext>
+            </a:extLst>
+          </p:cNvPr>
+          <p:cNvSpPr txBox="1"/>
+          <p:nvPr/>
+        </p:nvSpPr>
+        <p:spPr>
+          <a:xfrm>
+            <a:off x="6534462" y="6392903"/>
+            <a:ext cx="2356320" cy="307777"/>
+          </a:xfrm>
+          <a:prstGeom prst="rect">
+            <a:avLst/>
+          </a:prstGeom>
+          <a:noFill/>
+        </p:spPr>
+        <p:txBody>
+          <a:bodyPr wrap="square" rtlCol="0">
+            <a:spAutoFit/>
+          </a:bodyPr>
+          <a:lstStyle/>
+          <a:p>
+            <a:pPr algn="just"/>
+            <a:r>
+              <a:rPr lang="pt-BR" dirty="0">
+                <a:solidFill>
+                  <a:schemeClr val="tx1">
+                    <a:lumMod val="85000"/>
+                    <a:lumOff val="15000"/>
+                  </a:schemeClr>
+                </a:solidFill>
+                <a:latin typeface="Verdana" panose="020B0604030504040204" pitchFamily="34" charset="0"/>
+                <a:ea typeface="Verdana" panose="020B0604030504040204" pitchFamily="34" charset="0"/>
+                <a:cs typeface="Calibri" panose="020F0502020204030204" pitchFamily="34" charset="0"/>
+              </a:rPr>
+              <a:t>Prof. Marcelo Bernardes</a:t>
+            </a:r>
+            <a:endParaRPr lang="pt-BR" b="1" dirty="0">
+              <a:solidFill>
+                <a:schemeClr val="tx1">
+                  <a:lumMod val="85000"/>
+                  <a:lumOff val="15000"/>
+                </a:schemeClr>
+              </a:solidFill>
+              <a:latin typeface="Verdana" panose="020B0604030504040204" pitchFamily="34" charset="0"/>
+              <a:ea typeface="Verdana" panose="020B0604030504040204" pitchFamily="34" charset="0"/>
+              <a:cs typeface="Calibri" panose="020F0502020204030204" pitchFamily="34" charset="0"/>
+            </a:endParaRPr>
           </a:p>
         </p:txBody>
       </p:sp>
@@ -18159,14 +18666,65 @@
         </p:blipFill>
         <p:spPr>
           <a:xfrm>
-            <a:off x="634713" y="146368"/>
-            <a:ext cx="7874574" cy="6565263"/>
+            <a:off x="815378" y="157320"/>
+            <a:ext cx="7513244" cy="6264012"/>
           </a:xfrm>
           <a:prstGeom prst="rect">
             <a:avLst/>
           </a:prstGeom>
         </p:spPr>
       </p:pic>
+      <p:sp>
+        <p:nvSpPr>
+          <p:cNvPr id="3" name="CaixaDeTexto 2">
+            <a:extLst>
+              <a:ext uri="{FF2B5EF4-FFF2-40B4-BE49-F238E27FC236}">
+                <a16:creationId xmlns:a16="http://schemas.microsoft.com/office/drawing/2014/main" id="{F07CA73A-F0BC-4019-937D-6ABC2EA3E733}"/>
+              </a:ext>
+            </a:extLst>
+          </p:cNvPr>
+          <p:cNvSpPr txBox="1"/>
+          <p:nvPr/>
+        </p:nvSpPr>
+        <p:spPr>
+          <a:xfrm>
+            <a:off x="6534462" y="6392903"/>
+            <a:ext cx="2356320" cy="307777"/>
+          </a:xfrm>
+          <a:prstGeom prst="rect">
+            <a:avLst/>
+          </a:prstGeom>
+          <a:noFill/>
+        </p:spPr>
+        <p:txBody>
+          <a:bodyPr wrap="square" rtlCol="0">
+            <a:spAutoFit/>
+          </a:bodyPr>
+          <a:lstStyle/>
+          <a:p>
+            <a:pPr algn="just"/>
+            <a:r>
+              <a:rPr lang="pt-BR" dirty="0">
+                <a:solidFill>
+                  <a:schemeClr val="tx1"/>
+                </a:solidFill>
+                <a:latin typeface="Verdana" panose="020B0604030504040204" pitchFamily="34" charset="0"/>
+                <a:ea typeface="Verdana" panose="020B0604030504040204" pitchFamily="34" charset="0"/>
+                <a:cs typeface="Calibri" panose="020F0502020204030204" pitchFamily="34" charset="0"/>
+              </a:rPr>
+              <a:t>Prof. Marcelo Bernardes</a:t>
+            </a:r>
+            <a:endParaRPr lang="pt-BR" b="1" dirty="0">
+              <a:solidFill>
+                <a:schemeClr val="tx1"/>
+              </a:solidFill>
+              <a:latin typeface="Verdana" panose="020B0604030504040204" pitchFamily="34" charset="0"/>
+              <a:ea typeface="Verdana" panose="020B0604030504040204" pitchFamily="34" charset="0"/>
+              <a:cs typeface="Calibri" panose="020F0502020204030204" pitchFamily="34" charset="0"/>
+            </a:endParaRPr>
+          </a:p>
+        </p:txBody>
+      </p:sp>
     </p:spTree>
     <p:extLst>
       <p:ext uri="{BB962C8B-B14F-4D97-AF65-F5344CB8AC3E}">
@@ -18227,14 +18785,71 @@
         </p:blipFill>
         <p:spPr>
           <a:xfrm>
-            <a:off x="660522" y="154506"/>
-            <a:ext cx="7822955" cy="6548988"/>
+            <a:off x="852775" y="165804"/>
+            <a:ext cx="7438449" cy="6227099"/>
           </a:xfrm>
           <a:prstGeom prst="rect">
             <a:avLst/>
           </a:prstGeom>
         </p:spPr>
       </p:pic>
+      <p:sp>
+        <p:nvSpPr>
+          <p:cNvPr id="4" name="CaixaDeTexto 3">
+            <a:extLst>
+              <a:ext uri="{FF2B5EF4-FFF2-40B4-BE49-F238E27FC236}">
+                <a16:creationId xmlns:a16="http://schemas.microsoft.com/office/drawing/2014/main" id="{EA7D107C-F3B6-4798-9995-5CF569AC121D}"/>
+              </a:ext>
+            </a:extLst>
+          </p:cNvPr>
+          <p:cNvSpPr txBox="1"/>
+          <p:nvPr/>
+        </p:nvSpPr>
+        <p:spPr>
+          <a:xfrm>
+            <a:off x="6534462" y="6392903"/>
+            <a:ext cx="2356320" cy="307777"/>
+          </a:xfrm>
+          <a:prstGeom prst="rect">
+            <a:avLst/>
+          </a:prstGeom>
+          <a:noFill/>
+        </p:spPr>
+        <p:txBody>
+          <a:bodyPr wrap="square" rtlCol="0">
+            <a:spAutoFit/>
+          </a:bodyPr>
+          <a:lstStyle/>
+          <a:p>
+            <a:pPr algn="just"/>
+            <a:r>
+              <a:rPr lang="pt-BR" dirty="0">
+                <a:solidFill>
+                  <a:schemeClr val="tx1">
+                    <a:lumMod val="85000"/>
+                    <a:lumOff val="15000"/>
+                  </a:schemeClr>
+                </a:solidFill>
+                <a:latin typeface="Verdana" panose="020B0604030504040204" pitchFamily="34" charset="0"/>
+                <a:ea typeface="Verdana" panose="020B0604030504040204" pitchFamily="34" charset="0"/>
+                <a:cs typeface="Calibri" panose="020F0502020204030204" pitchFamily="34" charset="0"/>
+              </a:rPr>
+              <a:t>Prof. Marcelo Bernardes</a:t>
+            </a:r>
+            <a:endParaRPr lang="pt-BR" b="1" dirty="0">
+              <a:solidFill>
+                <a:schemeClr val="tx1">
+                  <a:lumMod val="85000"/>
+                  <a:lumOff val="15000"/>
+                </a:schemeClr>
+              </a:solidFill>
+              <a:latin typeface="Verdana" panose="020B0604030504040204" pitchFamily="34" charset="0"/>
+              <a:ea typeface="Verdana" panose="020B0604030504040204" pitchFamily="34" charset="0"/>
+              <a:cs typeface="Calibri" panose="020F0502020204030204" pitchFamily="34" charset="0"/>
+            </a:endParaRPr>
+          </a:p>
+        </p:txBody>
+      </p:sp>
     </p:spTree>
     <p:extLst>
       <p:ext uri="{BB962C8B-B14F-4D97-AF65-F5344CB8AC3E}">
